--- a/android/widgets/doc/slides.pptx
+++ b/android/widgets/doc/slides.pptx
@@ -207,7 +207,7 @@
           <a:p>
             <a:fld id="{F176D8B1-BA2D-48CA-85CA-B62252D32DDF}" type="datetimeFigureOut">
               <a:rPr lang="en-US" smtClean="0"/>
-              <a:t>7/30/2015</a:t>
+              <a:t>8/9/2015</a:t>
             </a:fld>
             <a:endParaRPr lang="en-US"/>
           </a:p>
@@ -7913,7 +7913,7 @@
       </p:sp>
       <p:pic>
         <p:nvPicPr>
-          <p:cNvPr id="7" name="Picture 6"/>
+          <p:cNvPr id="2" name="Picture 1"/>
           <p:cNvPicPr>
             <a:picLocks noChangeAspect="1"/>
           </p:cNvPicPr>
@@ -7933,8 +7933,8 @@
         </p:blipFill>
         <p:spPr>
           <a:xfrm>
-            <a:off x="6004697" y="356415"/>
-            <a:ext cx="3857625" cy="6025855"/>
+            <a:off x="2286000" y="365125"/>
+            <a:ext cx="3086101" cy="5486400"/>
           </a:xfrm>
           <a:prstGeom prst="rect">
             <a:avLst/>
@@ -7943,7 +7943,7 @@
       </p:pic>
       <p:pic>
         <p:nvPicPr>
-          <p:cNvPr id="8" name="Picture 7"/>
+          <p:cNvPr id="3" name="Picture 2"/>
           <p:cNvPicPr>
             <a:picLocks noChangeAspect="1"/>
           </p:cNvPicPr>
@@ -7963,8 +7963,8 @@
         </p:blipFill>
         <p:spPr>
           <a:xfrm>
-            <a:off x="1929086" y="356415"/>
-            <a:ext cx="3857625" cy="6025855"/>
+            <a:off x="6126480" y="365125"/>
+            <a:ext cx="3086101" cy="5486400"/>
           </a:xfrm>
           <a:prstGeom prst="rect">
             <a:avLst/>
@@ -8001,9 +8001,78 @@
           <a:chExt cx="0" cy="0"/>
         </a:xfrm>
       </p:grpSpPr>
+      <p:sp>
+        <p:nvSpPr>
+          <p:cNvPr id="4" name="Date Placeholder 3"/>
+          <p:cNvSpPr>
+            <a:spLocks noGrp="1"/>
+          </p:cNvSpPr>
+          <p:nvPr>
+            <p:ph type="dt" sz="half" idx="10"/>
+          </p:nvPr>
+        </p:nvSpPr>
+        <p:spPr/>
+        <p:txBody>
+          <a:bodyPr/>
+          <a:lstStyle/>
+          <a:p>
+            <a:r>
+              <a:rPr lang="en-US" smtClean="0"/>
+              <a:t>tutorial/android/widgets</a:t>
+            </a:r>
+            <a:endParaRPr lang="en-US"/>
+          </a:p>
+        </p:txBody>
+      </p:sp>
+      <p:sp>
+        <p:nvSpPr>
+          <p:cNvPr id="5" name="Footer Placeholder 4"/>
+          <p:cNvSpPr>
+            <a:spLocks noGrp="1"/>
+          </p:cNvSpPr>
+          <p:nvPr>
+            <p:ph type="ftr" sz="quarter" idx="11"/>
+          </p:nvPr>
+        </p:nvSpPr>
+        <p:spPr/>
+        <p:txBody>
+          <a:bodyPr/>
+          <a:lstStyle/>
+          <a:p>
+            <a:r>
+              <a:rPr lang="en-US" smtClean="0"/>
+              <a:t>/  11</a:t>
+            </a:r>
+            <a:endParaRPr lang="en-US"/>
+          </a:p>
+        </p:txBody>
+      </p:sp>
+      <p:sp>
+        <p:nvSpPr>
+          <p:cNvPr id="6" name="Slide Number Placeholder 5"/>
+          <p:cNvSpPr>
+            <a:spLocks noGrp="1"/>
+          </p:cNvSpPr>
+          <p:nvPr>
+            <p:ph type="sldNum" sz="quarter" idx="12"/>
+          </p:nvPr>
+        </p:nvSpPr>
+        <p:spPr/>
+        <p:txBody>
+          <a:bodyPr/>
+          <a:lstStyle/>
+          <a:p>
+            <a:fld id="{A1E76C83-A3DC-44F8-A4E9-D09DE6C64562}" type="slidenum">
+              <a:rPr lang="en-US" smtClean="0"/>
+              <a:t>9</a:t>
+            </a:fld>
+            <a:endParaRPr lang="en-US"/>
+          </a:p>
+        </p:txBody>
+      </p:sp>
       <p:pic>
         <p:nvPicPr>
-          <p:cNvPr id="7" name="Content Placeholder 6"/>
+          <p:cNvPr id="3" name="Content Placeholder 2"/>
           <p:cNvPicPr>
             <a:picLocks noGrp="1" noChangeAspect="1"/>
           </p:cNvPicPr>
@@ -8025,83 +8094,14 @@
         </p:blipFill>
         <p:spPr>
           <a:xfrm>
-            <a:off x="1933678" y="365124"/>
-            <a:ext cx="3857625" cy="6025855"/>
+            <a:off x="2286000" y="365125"/>
+            <a:ext cx="3086100" cy="5486400"/>
           </a:xfrm>
         </p:spPr>
       </p:pic>
-      <p:sp>
-        <p:nvSpPr>
-          <p:cNvPr id="4" name="Date Placeholder 3"/>
-          <p:cNvSpPr>
-            <a:spLocks noGrp="1"/>
-          </p:cNvSpPr>
-          <p:nvPr>
-            <p:ph type="dt" sz="half" idx="10"/>
-          </p:nvPr>
-        </p:nvSpPr>
-        <p:spPr/>
-        <p:txBody>
-          <a:bodyPr/>
-          <a:lstStyle/>
-          <a:p>
-            <a:r>
-              <a:rPr lang="en-US" smtClean="0"/>
-              <a:t>tutorial/android/widgets</a:t>
-            </a:r>
-            <a:endParaRPr lang="en-US"/>
-          </a:p>
-        </p:txBody>
-      </p:sp>
-      <p:sp>
-        <p:nvSpPr>
-          <p:cNvPr id="5" name="Footer Placeholder 4"/>
-          <p:cNvSpPr>
-            <a:spLocks noGrp="1"/>
-          </p:cNvSpPr>
-          <p:nvPr>
-            <p:ph type="ftr" sz="quarter" idx="11"/>
-          </p:nvPr>
-        </p:nvSpPr>
-        <p:spPr/>
-        <p:txBody>
-          <a:bodyPr/>
-          <a:lstStyle/>
-          <a:p>
-            <a:r>
-              <a:rPr lang="en-US" smtClean="0"/>
-              <a:t>/  11</a:t>
-            </a:r>
-            <a:endParaRPr lang="en-US"/>
-          </a:p>
-        </p:txBody>
-      </p:sp>
-      <p:sp>
-        <p:nvSpPr>
-          <p:cNvPr id="6" name="Slide Number Placeholder 5"/>
-          <p:cNvSpPr>
-            <a:spLocks noGrp="1"/>
-          </p:cNvSpPr>
-          <p:nvPr>
-            <p:ph type="sldNum" sz="quarter" idx="12"/>
-          </p:nvPr>
-        </p:nvSpPr>
-        <p:spPr/>
-        <p:txBody>
-          <a:bodyPr/>
-          <a:lstStyle/>
-          <a:p>
-            <a:fld id="{A1E76C83-A3DC-44F8-A4E9-D09DE6C64562}" type="slidenum">
-              <a:rPr lang="en-US" smtClean="0"/>
-              <a:t>9</a:t>
-            </a:fld>
-            <a:endParaRPr lang="en-US"/>
-          </a:p>
-        </p:txBody>
-      </p:sp>
       <p:pic>
         <p:nvPicPr>
-          <p:cNvPr id="8" name="Picture 7"/>
+          <p:cNvPr id="9" name="Picture 8"/>
           <p:cNvPicPr>
             <a:picLocks noChangeAspect="1"/>
           </p:cNvPicPr>
@@ -8121,8 +8121,8 @@
         </p:blipFill>
         <p:spPr>
           <a:xfrm>
-            <a:off x="5965746" y="365123"/>
-            <a:ext cx="3857625" cy="6025855"/>
+            <a:off x="6126480" y="365126"/>
+            <a:ext cx="3086100" cy="5486400"/>
           </a:xfrm>
           <a:prstGeom prst="rect">
             <a:avLst/>
